--- a/psea/en/lessons/PSEA_core _principles.pptx
+++ b/psea/en/lessons/PSEA_core _principles.pptx
@@ -5,7 +5,7 @@
     <p:sldMasterId id="2147483648" r:id="rId1"/>
   </p:sldMasterIdLst>
   <p:notesMasterIdLst>
-    <p:notesMasterId r:id="rId11"/>
+    <p:notesMasterId r:id="rId12"/>
   </p:notesMasterIdLst>
   <p:sldIdLst>
     <p:sldId id="359" r:id="rId2"/>
@@ -15,13 +15,14 @@
     <p:sldId id="352" r:id="rId6"/>
     <p:sldId id="362" r:id="rId7"/>
     <p:sldId id="363" r:id="rId8"/>
-    <p:sldId id="350" r:id="rId9"/>
-    <p:sldId id="351" r:id="rId10"/>
+    <p:sldId id="364" r:id="rId9"/>
+    <p:sldId id="350" r:id="rId10"/>
+    <p:sldId id="351" r:id="rId11"/>
   </p:sldIdLst>
   <p:sldSz cx="12192000" cy="6858000"/>
   <p:notesSz cx="6858000" cy="9144000"/>
   <p:custDataLst>
-    <p:tags r:id="rId12"/>
+    <p:tags r:id="rId13"/>
   </p:custDataLst>
   <p:defaultTextStyle>
     <a:defPPr>
@@ -264,7 +265,7 @@
           <a:p>
             <a:fld id="{CD4A716A-96FF-444E-85A3-889DB32D1FBA}" type="datetimeFigureOut">
               <a:rPr lang="ru-RU" smtClean="0"/>
-              <a:t>15.09.2024</a:t>
+              <a:t>19.09.2024</a:t>
             </a:fld>
             <a:endParaRPr lang="ru-RU"/>
           </a:p>
@@ -615,6 +616,90 @@
 </p:notes>
 </file>
 
+<file path=ppt/notesSlides/notesSlide10.xml><?xml version="1.0" encoding="utf-8"?>
+<p:notes xmlns:a="http://schemas.openxmlformats.org/drawingml/2006/main" xmlns:r="http://schemas.openxmlformats.org/officeDocument/2006/relationships" xmlns:p="http://schemas.openxmlformats.org/presentationml/2006/main">
+  <p:cSld>
+    <p:spTree>
+      <p:nvGrpSpPr>
+        <p:cNvPr id="1" name=""/>
+        <p:cNvGrpSpPr/>
+        <p:nvPr/>
+      </p:nvGrpSpPr>
+      <p:grpSpPr>
+        <a:xfrm>
+          <a:off x="0" y="0"/>
+          <a:ext cx="0" cy="0"/>
+          <a:chOff x="0" y="0"/>
+          <a:chExt cx="0" cy="0"/>
+        </a:xfrm>
+      </p:grpSpPr>
+      <p:sp>
+        <p:nvSpPr>
+          <p:cNvPr id="2" name="Slide Image Placeholder 1"/>
+          <p:cNvSpPr>
+            <a:spLocks noGrp="1" noRot="1" noChangeAspect="1"/>
+          </p:cNvSpPr>
+          <p:nvPr>
+            <p:ph type="sldImg"/>
+          </p:nvPr>
+        </p:nvSpPr>
+        <p:spPr/>
+      </p:sp>
+      <p:sp>
+        <p:nvSpPr>
+          <p:cNvPr id="3" name="Notes Placeholder 2"/>
+          <p:cNvSpPr>
+            <a:spLocks noGrp="1"/>
+          </p:cNvSpPr>
+          <p:nvPr>
+            <p:ph type="body" idx="1"/>
+          </p:nvPr>
+        </p:nvSpPr>
+        <p:spPr/>
+        <p:txBody>
+          <a:bodyPr/>
+          <a:lstStyle/>
+          <a:p>
+            <a:endParaRPr lang="en-US" dirty="0"/>
+          </a:p>
+        </p:txBody>
+      </p:sp>
+      <p:sp>
+        <p:nvSpPr>
+          <p:cNvPr id="4" name="Slide Number Placeholder 3"/>
+          <p:cNvSpPr>
+            <a:spLocks noGrp="1"/>
+          </p:cNvSpPr>
+          <p:nvPr>
+            <p:ph type="sldNum" sz="quarter" idx="5"/>
+          </p:nvPr>
+        </p:nvSpPr>
+        <p:spPr/>
+        <p:txBody>
+          <a:bodyPr/>
+          <a:lstStyle/>
+          <a:p>
+            <a:fld id="{95E4AF92-FB35-FC4B-A1DD-7C909C20A5EE}" type="slidenum">
+              <a:rPr lang="ru-RU" smtClean="0"/>
+              <a:t>10</a:t>
+            </a:fld>
+            <a:endParaRPr lang="ru-RU"/>
+          </a:p>
+        </p:txBody>
+      </p:sp>
+    </p:spTree>
+    <p:extLst>
+      <p:ext uri="{BB962C8B-B14F-4D97-AF65-F5344CB8AC3E}">
+        <p14:creationId xmlns:p14="http://schemas.microsoft.com/office/powerpoint/2010/main" val="3074721134"/>
+      </p:ext>
+    </p:extLst>
+  </p:cSld>
+  <p:clrMapOvr>
+    <a:masterClrMapping/>
+  </p:clrMapOvr>
+</p:notes>
+</file>
+
 <file path=ppt/notesSlides/notesSlide2.xml><?xml version="1.0" encoding="utf-8"?>
 <p:notes xmlns:a="http://schemas.openxmlformats.org/drawingml/2006/main" xmlns:r="http://schemas.openxmlformats.org/officeDocument/2006/relationships" xmlns:p="http://schemas.openxmlformats.org/presentationml/2006/main">
   <p:cSld>
@@ -1163,7 +1248,7 @@
           <a:bodyPr/>
           <a:lstStyle/>
           <a:p>
-            <a:endParaRPr lang="en-US"/>
+            <a:endParaRPr lang="en-US" dirty="0"/>
           </a:p>
         </p:txBody>
       </p:sp>
@@ -1193,7 +1278,7 @@
     </p:spTree>
     <p:extLst>
       <p:ext uri="{BB962C8B-B14F-4D97-AF65-F5344CB8AC3E}">
-        <p14:creationId xmlns:p14="http://schemas.microsoft.com/office/powerpoint/2010/main" val="3400519621"/>
+        <p14:creationId xmlns:p14="http://schemas.microsoft.com/office/powerpoint/2010/main" val="2669597500"/>
       </p:ext>
     </p:extLst>
   </p:cSld>
@@ -1247,7 +1332,7 @@
           <a:bodyPr/>
           <a:lstStyle/>
           <a:p>
-            <a:endParaRPr lang="en-US" dirty="0"/>
+            <a:endParaRPr lang="en-US"/>
           </a:p>
         </p:txBody>
       </p:sp>
@@ -1277,7 +1362,7 @@
     </p:spTree>
     <p:extLst>
       <p:ext uri="{BB962C8B-B14F-4D97-AF65-F5344CB8AC3E}">
-        <p14:creationId xmlns:p14="http://schemas.microsoft.com/office/powerpoint/2010/main" val="3074721134"/>
+        <p14:creationId xmlns:p14="http://schemas.microsoft.com/office/powerpoint/2010/main" val="3400519621"/>
       </p:ext>
     </p:extLst>
   </p:cSld>
@@ -1434,7 +1519,7 @@
           <a:p>
             <a:fld id="{4507D0C9-DCEA-F448-A25E-CBBFA477327C}" type="datetimeFigureOut">
               <a:rPr lang="ru-RU" smtClean="0"/>
-              <a:t>15.09.2024</a:t>
+              <a:t>19.09.2024</a:t>
             </a:fld>
             <a:endParaRPr lang="ru-RU"/>
           </a:p>
@@ -1547,7 +1632,7 @@
           <a:p>
             <a:fld id="{4507D0C9-DCEA-F448-A25E-CBBFA477327C}" type="datetimeFigureOut">
               <a:rPr lang="ru-RU" smtClean="0"/>
-              <a:t>15.09.2024</a:t>
+              <a:t>19.09.2024</a:t>
             </a:fld>
             <a:endParaRPr lang="ru-RU"/>
           </a:p>
@@ -1795,7 +1880,7 @@
           <a:p>
             <a:fld id="{4507D0C9-DCEA-F448-A25E-CBBFA477327C}" type="datetimeFigureOut">
               <a:rPr lang="ru-RU" smtClean="0"/>
-              <a:t>15.09.2024</a:t>
+              <a:t>19.09.2024</a:t>
             </a:fld>
             <a:endParaRPr lang="ru-RU"/>
           </a:p>
@@ -2338,6 +2423,201 @@
 </p:sld>
 </file>
 
+<file path=ppt/slides/slide10.xml><?xml version="1.0" encoding="utf-8"?>
+<p:sld xmlns:a="http://schemas.openxmlformats.org/drawingml/2006/main" xmlns:r="http://schemas.openxmlformats.org/officeDocument/2006/relationships" xmlns:p="http://schemas.openxmlformats.org/presentationml/2006/main">
+  <p:cSld>
+    <p:spTree>
+      <p:nvGrpSpPr>
+        <p:cNvPr id="1" name=""/>
+        <p:cNvGrpSpPr/>
+        <p:nvPr/>
+      </p:nvGrpSpPr>
+      <p:grpSpPr>
+        <a:xfrm>
+          <a:off x="0" y="0"/>
+          <a:ext cx="0" cy="0"/>
+          <a:chOff x="0" y="0"/>
+          <a:chExt cx="0" cy="0"/>
+        </a:xfrm>
+      </p:grpSpPr>
+      <p:pic>
+        <p:nvPicPr>
+          <p:cNvPr id="2" name="Picture Background">
+            <a:extLst>
+              <a:ext uri="{FF2B5EF4-FFF2-40B4-BE49-F238E27FC236}">
+                <a16:creationId xmlns:a16="http://schemas.microsoft.com/office/drawing/2014/main" id="{F0AE7FE6-9C80-7DA4-C3D2-BE3B9D03D0C3}"/>
+              </a:ext>
+            </a:extLst>
+          </p:cNvPr>
+          <p:cNvPicPr>
+            <a:picLocks noChangeAspect="1"/>
+          </p:cNvPicPr>
+          <p:nvPr/>
+        </p:nvPicPr>
+        <p:blipFill>
+          <a:blip r:embed="rId5"/>
+          <a:stretch>
+            <a:fillRect/>
+          </a:stretch>
+        </p:blipFill>
+        <p:spPr>
+          <a:xfrm>
+            <a:off x="-29599" y="0"/>
+            <a:ext cx="12192000" cy="6858000"/>
+          </a:xfrm>
+          <a:prstGeom prst="rect">
+            <a:avLst/>
+          </a:prstGeom>
+        </p:spPr>
+      </p:pic>
+      <p:sp>
+        <p:nvSpPr>
+          <p:cNvPr id="10" name="Arrow: Pentagon 9">
+            <a:hlinkClick r:id="rId6" action="ppaction://program"/>
+            <a:extLst>
+              <a:ext uri="{FF2B5EF4-FFF2-40B4-BE49-F238E27FC236}">
+                <a16:creationId xmlns:a16="http://schemas.microsoft.com/office/drawing/2014/main" id="{A4E6FAF3-1F76-385A-19D9-ED972E17C510}"/>
+              </a:ext>
+            </a:extLst>
+          </p:cNvPr>
+          <p:cNvSpPr/>
+          <p:nvPr/>
+        </p:nvSpPr>
+        <p:spPr>
+          <a:xfrm>
+            <a:off x="980210" y="3096039"/>
+            <a:ext cx="5345046" cy="1185466"/>
+          </a:xfrm>
+          <a:prstGeom prst="homePlate">
+            <a:avLst>
+              <a:gd name="adj" fmla="val 76866"/>
+            </a:avLst>
+          </a:prstGeom>
+          <a:solidFill>
+            <a:schemeClr val="accent2">
+              <a:lumMod val="40000"/>
+              <a:lumOff val="60000"/>
+            </a:schemeClr>
+          </a:solidFill>
+          <a:ln>
+            <a:solidFill>
+              <a:schemeClr val="accent2">
+                <a:lumMod val="60000"/>
+                <a:lumOff val="40000"/>
+              </a:schemeClr>
+            </a:solidFill>
+          </a:ln>
+        </p:spPr>
+        <p:style>
+          <a:lnRef idx="2">
+            <a:schemeClr val="accent1">
+              <a:shade val="15000"/>
+            </a:schemeClr>
+          </a:lnRef>
+          <a:fillRef idx="1">
+            <a:schemeClr val="accent1"/>
+          </a:fillRef>
+          <a:effectRef idx="0">
+            <a:schemeClr val="accent1"/>
+          </a:effectRef>
+          <a:fontRef idx="minor">
+            <a:schemeClr val="lt1"/>
+          </a:fontRef>
+        </p:style>
+        <p:txBody>
+          <a:bodyPr rtlCol="0" anchor="ctr"/>
+          <a:lstStyle/>
+          <a:p>
+            <a:pPr algn="ctr"/>
+            <a:r>
+              <a:rPr lang="en-US" sz="4000" b="1" dirty="0">
+                <a:ln w="6600">
+                  <a:solidFill>
+                    <a:schemeClr val="accent2"/>
+                  </a:solidFill>
+                  <a:prstDash val="solid"/>
+                </a:ln>
+                <a:solidFill>
+                  <a:schemeClr val="tx1"/>
+                </a:solidFill>
+                <a:effectLst>
+                  <a:outerShdw blurRad="38100" dist="38100" dir="2700000" algn="tl">
+                    <a:srgbClr val="000000">
+                      <a:alpha val="43137"/>
+                    </a:srgbClr>
+                  </a:outerShdw>
+                </a:effectLst>
+              </a:rPr>
+              <a:t>Next Lesson</a:t>
+            </a:r>
+          </a:p>
+        </p:txBody>
+      </p:sp>
+      <p:pic>
+        <p:nvPicPr>
+          <p:cNvPr id="5" name="Picture 4">
+            <a:extLst>
+              <a:ext uri="{FF2B5EF4-FFF2-40B4-BE49-F238E27FC236}">
+                <a16:creationId xmlns:a16="http://schemas.microsoft.com/office/drawing/2014/main" id="{A7993293-7D61-A890-C0E9-BA67EAC3253B}"/>
+              </a:ext>
+            </a:extLst>
+          </p:cNvPr>
+          <p:cNvPicPr>
+            <a:picLocks noChangeAspect="1"/>
+          </p:cNvPicPr>
+          <p:nvPr>
+            <p:custDataLst>
+              <p:tags r:id="rId2"/>
+            </p:custDataLst>
+          </p:nvPr>
+        </p:nvPicPr>
+        <p:blipFill>
+          <a:blip r:embed="rId7"/>
+          <a:stretch>
+            <a:fillRect/>
+          </a:stretch>
+        </p:blipFill>
+        <p:spPr>
+          <a:xfrm>
+            <a:off x="8384031" y="336297"/>
+            <a:ext cx="2827759" cy="10231258"/>
+          </a:xfrm>
+          <a:prstGeom prst="rect">
+            <a:avLst/>
+          </a:prstGeom>
+        </p:spPr>
+      </p:pic>
+    </p:spTree>
+    <p:custDataLst>
+      <p:tags r:id="rId1"/>
+    </p:custDataLst>
+    <p:extLst>
+      <p:ext uri="{BB962C8B-B14F-4D97-AF65-F5344CB8AC3E}">
+        <p14:creationId xmlns:p14="http://schemas.microsoft.com/office/powerpoint/2010/main" val="2430232709"/>
+      </p:ext>
+    </p:extLst>
+  </p:cSld>
+  <p:clrMapOvr>
+    <a:masterClrMapping/>
+  </p:clrMapOvr>
+  <mc:AlternateContent xmlns:mc="http://schemas.openxmlformats.org/markup-compatibility/2006" xmlns:p14="http://schemas.microsoft.com/office/powerpoint/2010/main">
+    <mc:Choice Requires="p14">
+      <p:transition spd="slow" p14:dur="2000" advClick="0"/>
+    </mc:Choice>
+    <mc:Fallback xmlns="">
+      <p:transition spd="slow" advClick="0"/>
+    </mc:Fallback>
+  </mc:AlternateContent>
+  <p:timing>
+    <p:tnLst>
+      <p:par>
+        <p:cTn id="1" dur="indefinite" restart="never" nodeType="tmRoot"/>
+      </p:par>
+    </p:tnLst>
+  </p:timing>
+</p:sld>
+</file>
+
 <file path=ppt/slides/slide2.xml><?xml version="1.0" encoding="utf-8"?>
 <p:sld xmlns:a="http://schemas.openxmlformats.org/drawingml/2006/main" xmlns:r="http://schemas.openxmlformats.org/officeDocument/2006/relationships" xmlns:p="http://schemas.openxmlformats.org/presentationml/2006/main">
   <p:cSld>
@@ -2511,7 +2791,7 @@
           <a:lstStyle/>
           <a:p>
             <a:r>
-              <a:rPr lang="en-US" b="1" dirty="0" smtClean="0">
+              <a:rPr lang="en-US" sz="2400" b="1" dirty="0" smtClean="0">
                 <a:solidFill>
                   <a:schemeClr val="tx1"/>
                 </a:solidFill>
@@ -2519,7 +2799,7 @@
               <a:t>No </a:t>
             </a:r>
             <a:r>
-              <a:rPr lang="en-US" b="1" dirty="0">
+              <a:rPr lang="en-US" sz="2400" b="1" dirty="0">
                 <a:solidFill>
                   <a:schemeClr val="tx1"/>
                 </a:solidFill>
@@ -2527,7 +2807,7 @@
               <a:t>Sex with Beneficiaries: </a:t>
             </a:r>
             <a:r>
-              <a:rPr lang="en-US" dirty="0">
+              <a:rPr lang="en-US" sz="2400" dirty="0">
                 <a:solidFill>
                   <a:schemeClr val="tx1"/>
                 </a:solidFill>
@@ -2535,14 +2815,14 @@
               <a:t>Any sexual relationship between those providing humanitarian assistance and protection and a person benefiting from such humanitarian assistance and protection that involves improper use of rank or position is prohibited. Such relationships undermine the credibility and integrity of humanitarian aid work</a:t>
             </a:r>
             <a:r>
-              <a:rPr lang="en-US" dirty="0" smtClean="0">
+              <a:rPr lang="en-US" sz="2400" dirty="0" smtClean="0">
                 <a:solidFill>
                   <a:schemeClr val="tx1"/>
                 </a:solidFill>
               </a:rPr>
               <a:t>.</a:t>
             </a:r>
-            <a:endParaRPr lang="en-US" dirty="0">
+            <a:endParaRPr lang="en-US" sz="2400" dirty="0">
               <a:solidFill>
                 <a:schemeClr val="tx1"/>
               </a:solidFill>
@@ -2746,7 +3026,7 @@
           <a:lstStyle/>
           <a:p>
             <a:r>
-              <a:rPr lang="en-US" b="1" dirty="0" smtClean="0">
+              <a:rPr lang="en-US" sz="2400" b="1" dirty="0" smtClean="0">
                 <a:solidFill>
                   <a:schemeClr val="tx1"/>
                 </a:solidFill>
@@ -2754,7 +3034,7 @@
               <a:t>Always </a:t>
             </a:r>
             <a:r>
-              <a:rPr lang="en-US" b="1" dirty="0">
+              <a:rPr lang="en-US" sz="2400" b="1" dirty="0">
                 <a:solidFill>
                   <a:schemeClr val="tx1"/>
                 </a:solidFill>
@@ -2762,7 +3042,7 @@
               <a:t>Report SEA:</a:t>
             </a:r>
             <a:r>
-              <a:rPr lang="en-US" dirty="0">
+              <a:rPr lang="en-US" sz="2400" dirty="0">
                 <a:solidFill>
                   <a:schemeClr val="tx1"/>
                 </a:solidFill>
@@ -2770,7 +3050,7 @@
               <a:t> Where a humanitarian worker develops concerns or suspicions regarding sexual abuse or exploitation by a fellow worker, </a:t>
             </a:r>
             <a:r>
-              <a:rPr lang="en-US" dirty="0" err="1" smtClean="0">
+              <a:rPr lang="en-US" sz="2400" dirty="0" err="1" smtClean="0">
                 <a:solidFill>
                   <a:schemeClr val="tx1"/>
                 </a:solidFill>
@@ -2778,7 +3058,7 @@
               <a:t>whether</a:t>
             </a:r>
             <a:r>
-              <a:rPr lang="en-US" dirty="0" err="1">
+              <a:rPr lang="en-US" sz="2400" dirty="0" err="1">
                 <a:solidFill>
                   <a:schemeClr val="tx1"/>
                 </a:solidFill>
@@ -2786,7 +3066,7 @@
               <a:t>in</a:t>
             </a:r>
             <a:r>
-              <a:rPr lang="en-US" dirty="0">
+              <a:rPr lang="en-US" sz="2400" dirty="0">
                 <a:solidFill>
                   <a:schemeClr val="tx1"/>
                 </a:solidFill>
@@ -2794,14 +3074,14 @@
               <a:t> the same agency or not, he or she must report such concerns via established agency reporting mechanisms</a:t>
             </a:r>
             <a:r>
-              <a:rPr lang="en-US" dirty="0" smtClean="0">
+              <a:rPr lang="en-US" sz="2400" dirty="0" smtClean="0">
                 <a:solidFill>
                   <a:schemeClr val="tx1"/>
                 </a:solidFill>
               </a:rPr>
               <a:t>.</a:t>
             </a:r>
-            <a:endParaRPr lang="en-US" dirty="0">
+            <a:endParaRPr lang="en-US" sz="2400" dirty="0">
               <a:solidFill>
                 <a:schemeClr val="tx1"/>
               </a:solidFill>
@@ -2822,6 +3102,14 @@
   <p:clrMapOvr>
     <a:masterClrMapping/>
   </p:clrMapOvr>
+  <mc:AlternateContent xmlns:mc="http://schemas.openxmlformats.org/markup-compatibility/2006">
+    <mc:Choice xmlns:p14="http://schemas.microsoft.com/office/powerpoint/2010/main" Requires="p14">
+      <p:transition spd="slow" p14:dur="2000" advClick="0"/>
+    </mc:Choice>
+    <mc:Fallback>
+      <p:transition spd="slow" advClick="0"/>
+    </mc:Fallback>
+  </mc:AlternateContent>
   <p:timing>
     <p:tnLst>
       <p:par>
@@ -3005,7 +3293,7 @@
           <a:lstStyle/>
           <a:p>
             <a:r>
-              <a:rPr lang="en-US" b="1" dirty="0" smtClean="0">
+              <a:rPr lang="en-US" sz="2400" b="1" dirty="0" smtClean="0">
                 <a:solidFill>
                   <a:schemeClr val="tx1"/>
                 </a:solidFill>
@@ -3013,7 +3301,7 @@
               <a:t>Discourage </a:t>
             </a:r>
             <a:r>
-              <a:rPr lang="en-US" b="1" dirty="0">
+              <a:rPr lang="en-US" sz="2400" b="1" dirty="0">
                 <a:solidFill>
                   <a:schemeClr val="tx1"/>
                 </a:solidFill>
@@ -3021,7 +3309,7 @@
               <a:t>SEA Around You: </a:t>
             </a:r>
             <a:r>
-              <a:rPr lang="en-US" dirty="0">
+              <a:rPr lang="en-US" sz="2400" dirty="0">
                 <a:solidFill>
                   <a:schemeClr val="tx1"/>
                 </a:solidFill>
@@ -3044,6 +3332,14 @@
   <p:clrMapOvr>
     <a:masterClrMapping/>
   </p:clrMapOvr>
+  <mc:AlternateContent xmlns:mc="http://schemas.openxmlformats.org/markup-compatibility/2006">
+    <mc:Choice xmlns:p14="http://schemas.microsoft.com/office/powerpoint/2010/main" Requires="p14">
+      <p:transition spd="slow" p14:dur="2000" advClick="0"/>
+    </mc:Choice>
+    <mc:Fallback>
+      <p:transition spd="slow" advClick="0"/>
+    </mc:Fallback>
+  </mc:AlternateContent>
   <p:timing>
     <p:tnLst>
       <p:par>
@@ -3193,7 +3489,7 @@
           <a:lstStyle/>
           <a:p>
             <a:r>
-              <a:rPr lang="en-US" b="1" dirty="0">
+              <a:rPr lang="en-US" sz="2400" b="1" dirty="0">
                 <a:solidFill>
                   <a:schemeClr val="tx1"/>
                 </a:solidFill>
@@ -3201,7 +3497,7 @@
               <a:t>No Second Chances: </a:t>
             </a:r>
             <a:r>
-              <a:rPr lang="en-US" dirty="0">
+              <a:rPr lang="en-US" sz="2400" dirty="0">
                 <a:solidFill>
                   <a:schemeClr val="tx1"/>
                 </a:solidFill>
@@ -3209,7 +3505,7 @@
               <a:t>Sexual exploitation and abuse by humanitarian workers constitute acts of gross misconduct and are therefore grounds for termination of employment</a:t>
             </a:r>
             <a:r>
-              <a:rPr lang="en-US" dirty="0" smtClean="0">
+              <a:rPr lang="en-US" sz="2400" dirty="0" smtClean="0">
                 <a:solidFill>
                   <a:schemeClr val="tx1"/>
                 </a:solidFill>
@@ -3217,7 +3513,7 @@
               <a:t>.</a:t>
             </a:r>
             <a:r>
-              <a:rPr lang="en-US" dirty="0">
+              <a:rPr lang="en-US" sz="2400" dirty="0">
                 <a:solidFill>
                   <a:schemeClr val="tx1"/>
                 </a:solidFill>
@@ -3225,13 +3521,13 @@
               <a:t/>
             </a:r>
             <a:br>
-              <a:rPr lang="en-US" dirty="0">
+              <a:rPr lang="en-US" sz="2400" dirty="0">
                 <a:solidFill>
                   <a:schemeClr val="tx1"/>
                 </a:solidFill>
               </a:rPr>
             </a:br>
-            <a:endParaRPr lang="en-US" dirty="0">
+            <a:endParaRPr lang="en-US" sz="2400" dirty="0">
               <a:solidFill>
                 <a:schemeClr val="tx1"/>
               </a:solidFill>
@@ -3286,6 +3582,14 @@
   <p:clrMapOvr>
     <a:masterClrMapping/>
   </p:clrMapOvr>
+  <mc:AlternateContent xmlns:mc="http://schemas.openxmlformats.org/markup-compatibility/2006">
+    <mc:Choice xmlns:p14="http://schemas.microsoft.com/office/powerpoint/2010/main" Requires="p14">
+      <p:transition spd="slow" p14:dur="2000" advClick="0"/>
+    </mc:Choice>
+    <mc:Fallback>
+      <p:transition spd="slow" advClick="0"/>
+    </mc:Fallback>
+  </mc:AlternateContent>
   <p:timing>
     <p:tnLst>
       <p:par>
@@ -3435,7 +3739,7 @@
           <a:lstStyle/>
           <a:p>
             <a:r>
-              <a:rPr lang="en-US" b="1" dirty="0" smtClean="0">
+              <a:rPr lang="en-US" sz="2400" b="1" dirty="0" smtClean="0">
                 <a:solidFill>
                   <a:schemeClr val="tx1"/>
                 </a:solidFill>
@@ -3443,7 +3747,7 @@
               <a:t>No </a:t>
             </a:r>
             <a:r>
-              <a:rPr lang="en-US" b="1" dirty="0">
+              <a:rPr lang="en-US" sz="2400" b="1" dirty="0">
                 <a:solidFill>
                   <a:schemeClr val="tx1"/>
                 </a:solidFill>
@@ -3451,7 +3755,7 @@
               <a:t>Sex with Children:</a:t>
             </a:r>
             <a:r>
-              <a:rPr lang="en-US" dirty="0">
+              <a:rPr lang="en-US" sz="2400" dirty="0">
                 <a:solidFill>
                   <a:schemeClr val="tx1"/>
                 </a:solidFill>
@@ -3459,14 +3763,14 @@
               <a:t> Sexual activity with children (persons under the age of 18) is prohibited regardless of the age of majority or age of consent locally. Mistaken belief regarding the age of a child is not a defense</a:t>
             </a:r>
             <a:r>
-              <a:rPr lang="en-US" dirty="0" smtClean="0">
+              <a:rPr lang="en-US" sz="2400" dirty="0" smtClean="0">
                 <a:solidFill>
                   <a:schemeClr val="tx1"/>
                 </a:solidFill>
               </a:rPr>
               <a:t>.</a:t>
             </a:r>
-            <a:endParaRPr lang="en-US" dirty="0">
+            <a:endParaRPr lang="en-US" sz="2400" dirty="0">
               <a:solidFill>
                 <a:schemeClr val="tx1"/>
               </a:solidFill>
@@ -3521,6 +3825,14 @@
   <p:clrMapOvr>
     <a:masterClrMapping/>
   </p:clrMapOvr>
+  <mc:AlternateContent xmlns:mc="http://schemas.openxmlformats.org/markup-compatibility/2006">
+    <mc:Choice xmlns:p14="http://schemas.microsoft.com/office/powerpoint/2010/main" Requires="p14">
+      <p:transition spd="slow" p14:dur="2000" advClick="0"/>
+    </mc:Choice>
+    <mc:Fallback>
+      <p:transition spd="slow" advClick="0"/>
+    </mc:Fallback>
+  </mc:AlternateContent>
   <p:timing>
     <p:tnLst>
       <p:par>
@@ -3670,7 +3982,7 @@
           <a:lstStyle/>
           <a:p>
             <a:r>
-              <a:rPr lang="en-US" b="1" dirty="0" smtClean="0">
+              <a:rPr lang="en-US" sz="2400" b="1" dirty="0" smtClean="0">
                 <a:solidFill>
                   <a:schemeClr val="tx1"/>
                 </a:solidFill>
@@ -3678,7 +3990,7 @@
               <a:t>Don’t </a:t>
             </a:r>
             <a:r>
-              <a:rPr lang="en-US" b="1" dirty="0">
+              <a:rPr lang="en-US" sz="2400" b="1" dirty="0">
                 <a:solidFill>
                   <a:schemeClr val="tx1"/>
                 </a:solidFill>
@@ -3686,7 +3998,7 @@
               <a:t>Exchange Anything For Sex: </a:t>
             </a:r>
             <a:r>
-              <a:rPr lang="en-US" dirty="0">
+              <a:rPr lang="en-US" sz="2400" dirty="0">
                 <a:solidFill>
                   <a:schemeClr val="tx1"/>
                 </a:solidFill>
@@ -3694,14 +4006,14 @@
               <a:t>Exchange of money, employment, goods, or services for sex, including sexual favors or other forms of humiliating, degrading or exploitative behavior is prohibited. This includes exchange of assistance that is due to beneficiaries</a:t>
             </a:r>
             <a:r>
-              <a:rPr lang="en-US" dirty="0" smtClean="0">
+              <a:rPr lang="en-US" sz="2400" dirty="0" smtClean="0">
                 <a:solidFill>
                   <a:schemeClr val="tx1"/>
                 </a:solidFill>
               </a:rPr>
               <a:t>.</a:t>
             </a:r>
-            <a:endParaRPr lang="en-US" dirty="0">
+            <a:endParaRPr lang="en-US" sz="2400" dirty="0">
               <a:solidFill>
                 <a:schemeClr val="tx1"/>
               </a:solidFill>
@@ -3756,6 +4068,14 @@
   <p:clrMapOvr>
     <a:masterClrMapping/>
   </p:clrMapOvr>
+  <mc:AlternateContent xmlns:mc="http://schemas.openxmlformats.org/markup-compatibility/2006">
+    <mc:Choice xmlns:p14="http://schemas.microsoft.com/office/powerpoint/2010/main" Requires="p14">
+      <p:transition spd="slow" p14:dur="2000" advClick="0"/>
+    </mc:Choice>
+    <mc:Fallback>
+      <p:transition spd="slow" advClick="0"/>
+    </mc:Fallback>
+  </mc:AlternateContent>
   <p:timing>
     <p:tnLst>
       <p:par>
@@ -3767,6 +4087,279 @@
 </file>
 
 <file path=ppt/slides/slide8.xml><?xml version="1.0" encoding="utf-8"?>
+<p:sld xmlns:a="http://schemas.openxmlformats.org/drawingml/2006/main" xmlns:r="http://schemas.openxmlformats.org/officeDocument/2006/relationships" xmlns:p="http://schemas.openxmlformats.org/presentationml/2006/main">
+  <p:cSld>
+    <p:spTree>
+      <p:nvGrpSpPr>
+        <p:cNvPr id="1" name=""/>
+        <p:cNvGrpSpPr/>
+        <p:nvPr/>
+      </p:nvGrpSpPr>
+      <p:grpSpPr>
+        <a:xfrm>
+          <a:off x="0" y="0"/>
+          <a:ext cx="0" cy="0"/>
+          <a:chOff x="0" y="0"/>
+          <a:chExt cx="0" cy="0"/>
+        </a:xfrm>
+      </p:grpSpPr>
+      <p:pic>
+        <p:nvPicPr>
+          <p:cNvPr id="2" name="Picture Background">
+            <a:extLst>
+              <a:ext uri="{FF2B5EF4-FFF2-40B4-BE49-F238E27FC236}">
+                <a16:creationId xmlns:a16="http://schemas.microsoft.com/office/drawing/2014/main" id="{F0AE7FE6-9C80-7DA4-C3D2-BE3B9D03D0C3}"/>
+              </a:ext>
+            </a:extLst>
+          </p:cNvPr>
+          <p:cNvPicPr>
+            <a:picLocks noChangeAspect="1"/>
+          </p:cNvPicPr>
+          <p:nvPr/>
+        </p:nvPicPr>
+        <p:blipFill>
+          <a:blip r:embed="rId5"/>
+          <a:stretch>
+            <a:fillRect/>
+          </a:stretch>
+        </p:blipFill>
+        <p:spPr>
+          <a:xfrm>
+            <a:off x="0" y="0"/>
+            <a:ext cx="12192000" cy="6858000"/>
+          </a:xfrm>
+          <a:prstGeom prst="rect">
+            <a:avLst/>
+          </a:prstGeom>
+        </p:spPr>
+      </p:pic>
+      <p:sp>
+        <p:nvSpPr>
+          <p:cNvPr id="3" name="Arrow: Pentagon 2">
+            <a:hlinkClick r:id="" action="ppaction://hlinkshowjump?jump=nextslide"/>
+            <a:extLst>
+              <a:ext uri="{FF2B5EF4-FFF2-40B4-BE49-F238E27FC236}">
+                <a16:creationId xmlns:a16="http://schemas.microsoft.com/office/drawing/2014/main" id="{9C76773A-DB2E-49EF-C65F-96FDBAD0E1F9}"/>
+              </a:ext>
+            </a:extLst>
+          </p:cNvPr>
+          <p:cNvSpPr/>
+          <p:nvPr/>
+        </p:nvSpPr>
+        <p:spPr>
+          <a:xfrm>
+            <a:off x="726806" y="1691965"/>
+            <a:ext cx="4789573" cy="1185466"/>
+          </a:xfrm>
+          <a:prstGeom prst="homePlate">
+            <a:avLst>
+              <a:gd name="adj" fmla="val 76866"/>
+            </a:avLst>
+          </a:prstGeom>
+          <a:solidFill>
+            <a:schemeClr val="accent2">
+              <a:lumMod val="40000"/>
+              <a:lumOff val="60000"/>
+            </a:schemeClr>
+          </a:solidFill>
+          <a:ln>
+            <a:solidFill>
+              <a:schemeClr val="accent2">
+                <a:lumMod val="60000"/>
+                <a:lumOff val="40000"/>
+              </a:schemeClr>
+            </a:solidFill>
+          </a:ln>
+        </p:spPr>
+        <p:style>
+          <a:lnRef idx="2">
+            <a:schemeClr val="accent1">
+              <a:shade val="15000"/>
+            </a:schemeClr>
+          </a:lnRef>
+          <a:fillRef idx="1">
+            <a:schemeClr val="accent1"/>
+          </a:fillRef>
+          <a:effectRef idx="0">
+            <a:schemeClr val="accent1"/>
+          </a:effectRef>
+          <a:fontRef idx="minor">
+            <a:schemeClr val="lt1"/>
+          </a:fontRef>
+        </p:style>
+        <p:txBody>
+          <a:bodyPr rtlCol="0" anchor="ctr"/>
+          <a:lstStyle/>
+          <a:p>
+            <a:pPr algn="ctr"/>
+            <a:r>
+              <a:rPr lang="en-US" sz="4000" b="1" dirty="0" smtClean="0">
+                <a:ln w="6600">
+                  <a:solidFill>
+                    <a:schemeClr val="accent2"/>
+                  </a:solidFill>
+                  <a:prstDash val="solid"/>
+                </a:ln>
+                <a:solidFill>
+                  <a:schemeClr val="tx1"/>
+                </a:solidFill>
+                <a:effectLst>
+                  <a:outerShdw blurRad="38100" dist="38100" dir="2700000" algn="tl">
+                    <a:srgbClr val="000000">
+                      <a:alpha val="43137"/>
+                    </a:srgbClr>
+                  </a:outerShdw>
+                </a:effectLst>
+              </a:rPr>
+              <a:t>Mix and Match</a:t>
+            </a:r>
+            <a:endParaRPr lang="en-US" sz="4000" b="1" dirty="0">
+              <a:ln w="6600">
+                <a:solidFill>
+                  <a:schemeClr val="accent2"/>
+                </a:solidFill>
+                <a:prstDash val="solid"/>
+              </a:ln>
+              <a:solidFill>
+                <a:schemeClr val="tx1"/>
+              </a:solidFill>
+              <a:effectLst>
+                <a:outerShdw blurRad="38100" dist="38100" dir="2700000" algn="tl">
+                  <a:srgbClr val="000000">
+                    <a:alpha val="43137"/>
+                  </a:srgbClr>
+                </a:outerShdw>
+              </a:effectLst>
+            </a:endParaRPr>
+          </a:p>
+        </p:txBody>
+      </p:sp>
+      <p:pic>
+        <p:nvPicPr>
+          <p:cNvPr id="6" name="Picture 5"/>
+          <p:cNvPicPr>
+            <a:picLocks noChangeAspect="1"/>
+          </p:cNvPicPr>
+          <p:nvPr>
+            <p:custDataLst>
+              <p:tags r:id="rId2"/>
+            </p:custDataLst>
+          </p:nvPr>
+        </p:nvPicPr>
+        <p:blipFill>
+          <a:blip r:embed="rId6">
+            <a:extLst>
+              <a:ext uri="{28A0092B-C50C-407E-A947-70E740481C1C}">
+                <a14:useLocalDpi xmlns:a14="http://schemas.microsoft.com/office/drawing/2010/main" val="0"/>
+              </a:ext>
+            </a:extLst>
+          </a:blip>
+          <a:stretch>
+            <a:fillRect/>
+          </a:stretch>
+        </p:blipFill>
+        <p:spPr>
+          <a:xfrm>
+            <a:off x="7614741" y="0"/>
+            <a:ext cx="3552931" cy="10856729"/>
+          </a:xfrm>
+          <a:prstGeom prst="rect">
+            <a:avLst/>
+          </a:prstGeom>
+        </p:spPr>
+      </p:pic>
+      <p:sp>
+        <p:nvSpPr>
+          <p:cNvPr id="4" name="Rectangle 3"/>
+          <p:cNvSpPr/>
+          <p:nvPr/>
+        </p:nvSpPr>
+        <p:spPr>
+          <a:xfrm>
+            <a:off x="853915" y="3105834"/>
+            <a:ext cx="6760826" cy="646331"/>
+          </a:xfrm>
+          <a:prstGeom prst="rect">
+            <a:avLst/>
+          </a:prstGeom>
+        </p:spPr>
+        <p:txBody>
+          <a:bodyPr wrap="square">
+            <a:spAutoFit/>
+          </a:bodyPr>
+          <a:lstStyle/>
+          <a:p>
+            <a:r>
+              <a:rPr lang="en-US" dirty="0">
+                <a:solidFill>
+                  <a:srgbClr val="000000"/>
+                </a:solidFill>
+                <a:latin typeface="Arial" panose="020B0604020202020204" pitchFamily="34" charset="0"/>
+              </a:rPr>
+              <a:t>Note: These apply 24/7 to every aid worker </a:t>
+            </a:r>
+            <a:endParaRPr lang="en-US" dirty="0" smtClean="0">
+              <a:solidFill>
+                <a:srgbClr val="000000"/>
+              </a:solidFill>
+              <a:latin typeface="Arial" panose="020B0604020202020204" pitchFamily="34" charset="0"/>
+            </a:endParaRPr>
+          </a:p>
+          <a:p>
+            <a:r>
+              <a:rPr lang="en-US" dirty="0" smtClean="0">
+                <a:solidFill>
+                  <a:srgbClr val="000000"/>
+                </a:solidFill>
+                <a:latin typeface="Arial" panose="020B0604020202020204" pitchFamily="34" charset="0"/>
+              </a:rPr>
+              <a:t>or </a:t>
+            </a:r>
+            <a:r>
+              <a:rPr lang="en-US" dirty="0">
+                <a:solidFill>
+                  <a:srgbClr val="000000"/>
+                </a:solidFill>
+                <a:latin typeface="Arial" panose="020B0604020202020204" pitchFamily="34" charset="0"/>
+              </a:rPr>
+              <a:t>related personnel to NABAD.</a:t>
+            </a:r>
+            <a:endParaRPr lang="en-US" dirty="0"/>
+          </a:p>
+        </p:txBody>
+      </p:sp>
+    </p:spTree>
+    <p:custDataLst>
+      <p:tags r:id="rId1"/>
+    </p:custDataLst>
+    <p:extLst>
+      <p:ext uri="{BB962C8B-B14F-4D97-AF65-F5344CB8AC3E}">
+        <p14:creationId xmlns:p14="http://schemas.microsoft.com/office/powerpoint/2010/main" val="2796080610"/>
+      </p:ext>
+    </p:extLst>
+  </p:cSld>
+  <p:clrMapOvr>
+    <a:masterClrMapping/>
+  </p:clrMapOvr>
+  <mc:AlternateContent xmlns:mc="http://schemas.openxmlformats.org/markup-compatibility/2006">
+    <mc:Choice xmlns:p14="http://schemas.microsoft.com/office/powerpoint/2010/main" Requires="p14">
+      <p:transition spd="slow" p14:dur="2000" advClick="0"/>
+    </mc:Choice>
+    <mc:Fallback>
+      <p:transition spd="slow" advClick="0"/>
+    </mc:Fallback>
+  </mc:AlternateContent>
+  <p:timing>
+    <p:tnLst>
+      <p:par>
+        <p:cTn id="1" dur="indefinite" restart="never" nodeType="tmRoot"/>
+      </p:par>
+    </p:tnLst>
+  </p:timing>
+</p:sld>
+</file>
+
+<file path=ppt/slides/slide9.xml><?xml version="1.0" encoding="utf-8"?>
 <p:sld xmlns:a="http://schemas.openxmlformats.org/drawingml/2006/main" xmlns:r="http://schemas.openxmlformats.org/officeDocument/2006/relationships" xmlns:p="http://schemas.openxmlformats.org/presentationml/2006/main">
   <p:cSld>
     <p:spTree>
@@ -3815,7 +4408,7 @@
       </p:pic>
       <p:sp>
         <p:nvSpPr>
-          <p:cNvPr id="3" name="ISPRING_QUIZ_SHAPE0"/>
+          <p:cNvPr id="8" name="ISPRING_QUIZ_SHAPE0"/>
           <p:cNvSpPr/>
           <p:nvPr/>
         </p:nvSpPr>
@@ -3883,7 +4476,7 @@
       </p:sp>
       <p:pic>
         <p:nvPicPr>
-          <p:cNvPr id="4" name="ISPRING_QUIZ_SHAPE1"/>
+          <p:cNvPr id="9" name="ISPRING_QUIZ_SHAPE1"/>
           <p:cNvPicPr>
             <a:picLocks/>
           </p:cNvPicPr>
@@ -3921,7 +4514,7 @@
       </p:pic>
       <p:sp>
         <p:nvSpPr>
-          <p:cNvPr id="5" name="ISPRING_QUIZ_SHAPE2"/>
+          <p:cNvPr id="10" name="ISPRING_QUIZ_SHAPE2"/>
           <p:cNvSpPr txBox="1"/>
           <p:nvPr/>
         </p:nvSpPr>
@@ -3971,7 +4564,7 @@
       </p:sp>
       <p:pic>
         <p:nvPicPr>
-          <p:cNvPr id="6" name="ISPRING_QUIZ_SHAPE3"/>
+          <p:cNvPr id="11" name="ISPRING_QUIZ_SHAPE3"/>
           <p:cNvPicPr>
             <a:picLocks/>
           </p:cNvPicPr>
@@ -4009,7 +4602,7 @@
       </p:pic>
       <p:sp>
         <p:nvSpPr>
-          <p:cNvPr id="7" name="ISPRING_QUIZ_SHAPE4"/>
+          <p:cNvPr id="12" name="ISPRING_QUIZ_SHAPE4"/>
           <p:cNvSpPr txBox="1"/>
           <p:nvPr/>
         </p:nvSpPr>
@@ -4090,198 +4683,11 @@
   <p:clrMapOvr>
     <a:masterClrMapping/>
   </p:clrMapOvr>
-  <p:timing>
-    <p:tnLst>
-      <p:par>
-        <p:cTn id="1" dur="indefinite" restart="never" nodeType="tmRoot"/>
-      </p:par>
-    </p:tnLst>
-  </p:timing>
-</p:sld>
-</file>
-
-<file path=ppt/slides/slide9.xml><?xml version="1.0" encoding="utf-8"?>
-<p:sld xmlns:a="http://schemas.openxmlformats.org/drawingml/2006/main" xmlns:r="http://schemas.openxmlformats.org/officeDocument/2006/relationships" xmlns:p="http://schemas.openxmlformats.org/presentationml/2006/main">
-  <p:cSld>
-    <p:spTree>
-      <p:nvGrpSpPr>
-        <p:cNvPr id="1" name=""/>
-        <p:cNvGrpSpPr/>
-        <p:nvPr/>
-      </p:nvGrpSpPr>
-      <p:grpSpPr>
-        <a:xfrm>
-          <a:off x="0" y="0"/>
-          <a:ext cx="0" cy="0"/>
-          <a:chOff x="0" y="0"/>
-          <a:chExt cx="0" cy="0"/>
-        </a:xfrm>
-      </p:grpSpPr>
-      <p:pic>
-        <p:nvPicPr>
-          <p:cNvPr id="2" name="Picture Background">
-            <a:extLst>
-              <a:ext uri="{FF2B5EF4-FFF2-40B4-BE49-F238E27FC236}">
-                <a16:creationId xmlns:a16="http://schemas.microsoft.com/office/drawing/2014/main" id="{F0AE7FE6-9C80-7DA4-C3D2-BE3B9D03D0C3}"/>
-              </a:ext>
-            </a:extLst>
-          </p:cNvPr>
-          <p:cNvPicPr>
-            <a:picLocks noChangeAspect="1"/>
-          </p:cNvPicPr>
-          <p:nvPr/>
-        </p:nvPicPr>
-        <p:blipFill>
-          <a:blip r:embed="rId5"/>
-          <a:stretch>
-            <a:fillRect/>
-          </a:stretch>
-        </p:blipFill>
-        <p:spPr>
-          <a:xfrm>
-            <a:off x="-29599" y="0"/>
-            <a:ext cx="12192000" cy="6858000"/>
-          </a:xfrm>
-          <a:prstGeom prst="rect">
-            <a:avLst/>
-          </a:prstGeom>
-        </p:spPr>
-      </p:pic>
-      <p:sp>
-        <p:nvSpPr>
-          <p:cNvPr id="10" name="Arrow: Pentagon 9">
-            <a:hlinkClick r:id="rId6" action="ppaction://program"/>
-            <a:extLst>
-              <a:ext uri="{FF2B5EF4-FFF2-40B4-BE49-F238E27FC236}">
-                <a16:creationId xmlns:a16="http://schemas.microsoft.com/office/drawing/2014/main" id="{A4E6FAF3-1F76-385A-19D9-ED972E17C510}"/>
-              </a:ext>
-            </a:extLst>
-          </p:cNvPr>
-          <p:cNvSpPr/>
-          <p:nvPr/>
-        </p:nvSpPr>
-        <p:spPr>
-          <a:xfrm>
-            <a:off x="980210" y="3096039"/>
-            <a:ext cx="5345046" cy="1185466"/>
-          </a:xfrm>
-          <a:prstGeom prst="homePlate">
-            <a:avLst>
-              <a:gd name="adj" fmla="val 76866"/>
-            </a:avLst>
-          </a:prstGeom>
-          <a:solidFill>
-            <a:schemeClr val="accent2">
-              <a:lumMod val="40000"/>
-              <a:lumOff val="60000"/>
-            </a:schemeClr>
-          </a:solidFill>
-          <a:ln>
-            <a:solidFill>
-              <a:schemeClr val="accent2">
-                <a:lumMod val="60000"/>
-                <a:lumOff val="40000"/>
-              </a:schemeClr>
-            </a:solidFill>
-          </a:ln>
-        </p:spPr>
-        <p:style>
-          <a:lnRef idx="2">
-            <a:schemeClr val="accent1">
-              <a:shade val="15000"/>
-            </a:schemeClr>
-          </a:lnRef>
-          <a:fillRef idx="1">
-            <a:schemeClr val="accent1"/>
-          </a:fillRef>
-          <a:effectRef idx="0">
-            <a:schemeClr val="accent1"/>
-          </a:effectRef>
-          <a:fontRef idx="minor">
-            <a:schemeClr val="lt1"/>
-          </a:fontRef>
-        </p:style>
-        <p:txBody>
-          <a:bodyPr rtlCol="0" anchor="ctr"/>
-          <a:lstStyle/>
-          <a:p>
-            <a:pPr algn="ctr"/>
-            <a:r>
-              <a:rPr lang="en-US" sz="4000" b="1" dirty="0">
-                <a:ln w="6600">
-                  <a:solidFill>
-                    <a:schemeClr val="accent2"/>
-                  </a:solidFill>
-                  <a:prstDash val="solid"/>
-                </a:ln>
-                <a:solidFill>
-                  <a:schemeClr val="tx1"/>
-                </a:solidFill>
-                <a:effectLst>
-                  <a:outerShdw blurRad="38100" dist="38100" dir="2700000" algn="tl">
-                    <a:srgbClr val="000000">
-                      <a:alpha val="43137"/>
-                    </a:srgbClr>
-                  </a:outerShdw>
-                </a:effectLst>
-              </a:rPr>
-              <a:t>Next Lesson</a:t>
-            </a:r>
-          </a:p>
-        </p:txBody>
-      </p:sp>
-      <p:pic>
-        <p:nvPicPr>
-          <p:cNvPr id="5" name="Picture 4">
-            <a:extLst>
-              <a:ext uri="{FF2B5EF4-FFF2-40B4-BE49-F238E27FC236}">
-                <a16:creationId xmlns:a16="http://schemas.microsoft.com/office/drawing/2014/main" id="{A7993293-7D61-A890-C0E9-BA67EAC3253B}"/>
-              </a:ext>
-            </a:extLst>
-          </p:cNvPr>
-          <p:cNvPicPr>
-            <a:picLocks noChangeAspect="1"/>
-          </p:cNvPicPr>
-          <p:nvPr>
-            <p:custDataLst>
-              <p:tags r:id="rId2"/>
-            </p:custDataLst>
-          </p:nvPr>
-        </p:nvPicPr>
-        <p:blipFill>
-          <a:blip r:embed="rId7"/>
-          <a:stretch>
-            <a:fillRect/>
-          </a:stretch>
-        </p:blipFill>
-        <p:spPr>
-          <a:xfrm>
-            <a:off x="8384031" y="336297"/>
-            <a:ext cx="2827759" cy="10231258"/>
-          </a:xfrm>
-          <a:prstGeom prst="rect">
-            <a:avLst/>
-          </a:prstGeom>
-        </p:spPr>
-      </p:pic>
-    </p:spTree>
-    <p:custDataLst>
-      <p:tags r:id="rId1"/>
-    </p:custDataLst>
-    <p:extLst>
-      <p:ext uri="{BB962C8B-B14F-4D97-AF65-F5344CB8AC3E}">
-        <p14:creationId xmlns:p14="http://schemas.microsoft.com/office/powerpoint/2010/main" val="2430232709"/>
-      </p:ext>
-    </p:extLst>
-  </p:cSld>
-  <p:clrMapOvr>
-    <a:masterClrMapping/>
-  </p:clrMapOvr>
-  <mc:AlternateContent xmlns:mc="http://schemas.openxmlformats.org/markup-compatibility/2006" xmlns:p14="http://schemas.microsoft.com/office/powerpoint/2010/main">
-    <mc:Choice Requires="p14">
+  <mc:AlternateContent xmlns:mc="http://schemas.openxmlformats.org/markup-compatibility/2006">
+    <mc:Choice xmlns:p14="http://schemas.microsoft.com/office/powerpoint/2010/main" Requires="p14">
       <p:transition spd="slow" p14:dur="2000" advClick="0"/>
     </mc:Choice>
-    <mc:Fallback xmlns="">
+    <mc:Fallback>
       <p:transition spd="slow" advClick="0"/>
     </mc:Fallback>
   </mc:AlternateContent>
@@ -4334,8 +4740,8 @@
   <p:tag name="ISPRING_PLAYER_LAYOUT_TYPE" val="Full"/>
   <p:tag name="ISPRING_SLIDE_ID_2" val="{63B4AA51-2E8C-4BA8-B5A8-C7E7941CC9B4}"/>
   <p:tag name="GENSWF_ADVANCE_TIME" val="0.000"/>
+  <p:tag name="GENSWF_SLIDE_UID" val="{129E663E-5DED-4CE4-B0ED-F2FA0DC93B5E}:352"/>
   <p:tag name="ISPRING_SLIDE_BRANCHING_PROPERTIES" val="&lt;BranchingProperties&gt;&lt;nextAction&gt;&lt;action&gt;2&lt;/action&gt;&lt;slide&gt;347&lt;/slide&gt;&lt;/nextAction&gt;&lt;prevAction&gt;&lt;action&gt;0&lt;/action&gt;&lt;/prevAction&gt;&lt;lock&gt;0&lt;/lock&gt;&lt;/BranchingProperties&gt;&#10;"/>
-  <p:tag name="GENSWF_SLIDE_UID" val="{129E663E-5DED-4CE4-B0ED-F2FA0DC93B5E}:352"/>
 </p:tagLst>
 </file>
 
@@ -4353,8 +4759,8 @@
   <p:tag name="ISPRING_PLAYER_LAYOUT_TYPE" val="Full"/>
   <p:tag name="ISPRING_SLIDE_ID_2" val="{63B4AA51-2E8C-4BA8-B5A8-C7E7941CC9B4}"/>
   <p:tag name="GENSWF_ADVANCE_TIME" val="0.000"/>
+  <p:tag name="GENSWF_SLIDE_UID" val="{DBBCF65F-23B0-43B2-96EC-4A42513684F4}:362"/>
   <p:tag name="ISPRING_SLIDE_BRANCHING_PROPERTIES" val="&lt;BranchingProperties&gt;&lt;nextAction&gt;&lt;action&gt;2&lt;/action&gt;&lt;slide&gt;347&lt;/slide&gt;&lt;/nextAction&gt;&lt;prevAction&gt;&lt;action&gt;0&lt;/action&gt;&lt;/prevAction&gt;&lt;lock&gt;0&lt;/lock&gt;&lt;/BranchingProperties&gt;&#10;"/>
-  <p:tag name="GENSWF_SLIDE_UID" val="{DBBCF65F-23B0-43B2-96EC-4A42513684F4}:362"/>
 </p:tagLst>
 </file>
 
@@ -4372,8 +4778,8 @@
   <p:tag name="ISPRING_PLAYER_LAYOUT_TYPE" val="Full"/>
   <p:tag name="ISPRING_SLIDE_ID_2" val="{63B4AA51-2E8C-4BA8-B5A8-C7E7941CC9B4}"/>
   <p:tag name="GENSWF_ADVANCE_TIME" val="0.000"/>
+  <p:tag name="GENSWF_SLIDE_UID" val="{85504F54-46A8-4421-8974-7D7BD87806BE}:363"/>
   <p:tag name="ISPRING_SLIDE_BRANCHING_PROPERTIES" val="&lt;BranchingProperties&gt;&lt;nextAction&gt;&lt;action&gt;2&lt;/action&gt;&lt;slide&gt;347&lt;/slide&gt;&lt;/nextAction&gt;&lt;prevAction&gt;&lt;action&gt;0&lt;/action&gt;&lt;/prevAction&gt;&lt;lock&gt;0&lt;/lock&gt;&lt;/BranchingProperties&gt;&#10;"/>
-  <p:tag name="GENSWF_SLIDE_UID" val="{85504F54-46A8-4421-8974-7D7BD87806BE}:363"/>
 </p:tagLst>
 </file>
 
@@ -4389,30 +4795,42 @@
   <p:tag name="ISPRING_CUSTOM_TIMING_USED" val="1"/>
   <p:tag name="ISPRING_SLIDE_ID_2" val="{42707736-AD57-4B34-8145-5B9D71B23F3E}"/>
   <p:tag name="GENSWF_ADVANCE_TIME" val="0.000"/>
-  <p:tag name="ISPRING_SLIDE_QUIZ_PROPERTIES" val="&lt;QuizProperties&gt;&lt;passAction&gt;&lt;action&gt;3&lt;/action&gt;&lt;/passAction&gt;&lt;failAction&gt;&lt;action&gt;3&lt;/action&gt;&lt;/failAction&gt;&lt;viewSlidesPolicy&gt;0&lt;/viewSlidesPolicy&gt;&lt;allowInterrupt&gt;1&lt;/allowInterrupt&gt;&lt;restartFailedQuiz&gt;0&lt;/restartFailedQuiz&gt;&lt;/QuizProperties&gt;&#10;"/>
-  <p:tag name="ISPRING_QUIZ_SHAPES_ADDED" val="1"/>
-  <p:tag name="ISPRING_RESOURCE_QUIZ" val="quiz1.quiz"/>
-  <p:tag name="GENSWF_SLIDE_UID" val="{99948010-F83B-4BBF-96E5-26576C385100}:350"/>
-  <p:tag name="ISPRING_SLIDE_BRANCHING_PROPERTIES" val="&lt;BranchingProperties&gt;&lt;nextAction&gt;&lt;action&gt;2&lt;/action&gt;&lt;slide&gt;349&lt;/slide&gt;&lt;/nextAction&gt;&lt;prevAction&gt;&lt;action&gt;0&lt;/action&gt;&lt;/prevAction&gt;&lt;lock&gt;0&lt;/lock&gt;&lt;/BranchingProperties&gt;&#10;"/>
-  <p:tag name="ISPRING_QUIZ_FULL_PATH" val="C:\Users\hp\Desktop\Projects\Nabad\Nabad\psea\en\lessons\PSEA_core _principles\quiz\quiz1.quiz"/>
-  <p:tag name="ISPRING_QUIZ_RELATIVE_PATH" val="PSEA_core _principles\quiz\quiz1.quiz"/>
+  <p:tag name="ISPRING_PLAYER_LAYOUT_TYPE" val="Full"/>
+  <p:tag name="ISPRING_SLIDE_BRANCHING_PROPERTIES" val="&lt;BranchingProperties&gt;&lt;nextAction&gt;&lt;action&gt;0&lt;/action&gt;&lt;/nextAction&gt;&lt;prevAction&gt;&lt;action&gt;0&lt;/action&gt;&lt;/prevAction&gt;&lt;lock&gt;1&lt;/lock&gt;&lt;/BranchingProperties&gt;&#10;"/>
+  <p:tag name="GENSWF_SLIDE_UID" val="{DADD6BEB-E130-42E2-851C-2422F8D322A2}:364"/>
 </p:tagLst>
 </file>
 
 <file path=ppt/tags/tag17.xml><?xml version="1.0" encoding="utf-8"?>
 <p:tagLst xmlns:a="http://schemas.openxmlformats.org/drawingml/2006/main" xmlns:r="http://schemas.openxmlformats.org/officeDocument/2006/relationships" xmlns:p="http://schemas.openxmlformats.org/presentationml/2006/main">
-  <p:tag name="ISPRING_SLIDE_INDENT_LEVEL" val="0"/>
-  <p:tag name="ISPRING_CUSTOM_TIMING_USED" val="1"/>
-  <p:tag name="ISPRING_SLIDE_ID_2" val="{42707736-AD57-4B34-8145-5B9D71B23F3E}"/>
-  <p:tag name="GENSWF_ADVANCE_TIME" val="0.000"/>
-  <p:tag name="ISPRING_SLIDE_BRANCHING_PROPERTIES" val="&lt;BranchingProperties&gt;&lt;nextAction&gt;&lt;action&gt;2&lt;/action&gt;&lt;slide&gt;349&lt;/slide&gt;&lt;/nextAction&gt;&lt;prevAction&gt;&lt;action&gt;0&lt;/action&gt;&lt;/prevAction&gt;&lt;lock&gt;1&lt;/lock&gt;&lt;/BranchingProperties&gt;&#10;"/>
-  <p:tag name="GENSWF_SLIDE_UID" val="{74944435-17E6-429E-97ED-97D577707607}:351"/>
+  <p:tag name="ISPRING_CONTENTLIB_ASSET_META" val="{&quot;ai&quot;:&quot;rdOkXcOaTGYpTAxKb_FKUA&quot;,&quot;gi&quot;:&quot;F4oRbJN6d9OAc-GqBTKO6A&quot;,&quot;ti&quot;:&quot;characters&quot;,&quot;vs&quot;:{&quot;f&quot;:[3912,708],&quot;i&quot;:{&quot;d&quot;:&quot;rdOkXcOaTGYpTAxKb_FKUA&quot;,&quot;p&quot;:true}},&quot;at&quot;:&quot;DEFAULT&quot;}"/>
 </p:tagLst>
 </file>
 
 <file path=ppt/tags/tag18.xml><?xml version="1.0" encoding="utf-8"?>
 <p:tagLst xmlns:a="http://schemas.openxmlformats.org/drawingml/2006/main" xmlns:r="http://schemas.openxmlformats.org/officeDocument/2006/relationships" xmlns:p="http://schemas.openxmlformats.org/presentationml/2006/main">
-  <p:tag name="ISPRING_CONTENTLIB_ASSET_META" val="{&quot;ai&quot;:&quot;7DfcD4O002at1CllW0BJIA&quot;,&quot;gi&quot;:&quot;eSRp0--Px1rsJRDo6xsVUA&quot;,&quot;ti&quot;:&quot;characters&quot;,&quot;vs&quot;:{&quot;f&quot;:[3289,708],&quot;i&quot;:{&quot;d&quot;:&quot;7DfcD4O002at1CllW0BJIA&quot;,&quot;p&quot;:true}},&quot;at&quot;:&quot;DEFAULT&quot;}"/>
+  <p:tag name="ISPRING_SLIDE_INDENT_LEVEL" val="0"/>
+  <p:tag name="ISPRING_CUSTOM_TIMING_USED" val="1"/>
+  <p:tag name="ISPRING_SLIDE_ID_2" val="{42707736-AD57-4B34-8145-5B9D71B23F3E}"/>
+  <p:tag name="GENSWF_ADVANCE_TIME" val="0.000"/>
+  <p:tag name="ISPRING_SLIDE_QUIZ_PROPERTIES" val="&lt;QuizProperties&gt;&lt;passAction&gt;&lt;action&gt;3&lt;/action&gt;&lt;/passAction&gt;&lt;failAction&gt;&lt;action&gt;3&lt;/action&gt;&lt;/failAction&gt;&lt;viewSlidesPolicy&gt;0&lt;/viewSlidesPolicy&gt;&lt;allowInterrupt&gt;1&lt;/allowInterrupt&gt;&lt;restartFailedQuiz&gt;0&lt;/restartFailedQuiz&gt;&lt;/QuizProperties&gt;&#10;"/>
+  <p:tag name="ISPRING_QUIZ_SHAPES_ADDED" val="1"/>
+  <p:tag name="ISPRING_RESOURCE_QUIZ" val="quiz1.quiz"/>
+  <p:tag name="GENSWF_SLIDE_UID" val="{99948010-F83B-4BBF-96E5-26576C385100}:350"/>
+  <p:tag name="ISPRING_QUIZ_FULL_PATH" val="C:\Users\hp\Desktop\Projects\Nabad\Nabad\psea\en\lessons\PSEA_core _principles\quiz\quiz1.quiz"/>
+  <p:tag name="ISPRING_QUIZ_RELATIVE_PATH" val="PSEA_core _principles\quiz\quiz1.quiz"/>
+  <p:tag name="ISPRING_SLIDE_BRANCHING_PROPERTIES" val="&lt;BranchingProperties&gt;&lt;nextAction&gt;&lt;action&gt;2&lt;/action&gt;&lt;slide&gt;349&lt;/slide&gt;&lt;/nextAction&gt;&lt;prevAction&gt;&lt;action&gt;0&lt;/action&gt;&lt;/prevAction&gt;&lt;lock&gt;0&lt;/lock&gt;&lt;/BranchingProperties&gt;&#10;"/>
+</p:tagLst>
+</file>
+
+<file path=ppt/tags/tag19.xml><?xml version="1.0" encoding="utf-8"?>
+<p:tagLst xmlns:a="http://schemas.openxmlformats.org/drawingml/2006/main" xmlns:r="http://schemas.openxmlformats.org/officeDocument/2006/relationships" xmlns:p="http://schemas.openxmlformats.org/presentationml/2006/main">
+  <p:tag name="ISPRING_SLIDE_INDENT_LEVEL" val="0"/>
+  <p:tag name="ISPRING_CUSTOM_TIMING_USED" val="1"/>
+  <p:tag name="ISPRING_SLIDE_ID_2" val="{42707736-AD57-4B34-8145-5B9D71B23F3E}"/>
+  <p:tag name="GENSWF_ADVANCE_TIME" val="0.000"/>
+  <p:tag name="GENSWF_SLIDE_UID" val="{74944435-17E6-429E-97ED-97D577707607}:351"/>
+  <p:tag name="ISPRING_SLIDE_BRANCHING_PROPERTIES" val="&lt;BranchingProperties&gt;&lt;nextAction&gt;&lt;action&gt;2&lt;/action&gt;&lt;slide&gt;349&lt;/slide&gt;&lt;/nextAction&gt;&lt;prevAction&gt;&lt;action&gt;0&lt;/action&gt;&lt;/prevAction&gt;&lt;lock&gt;1&lt;/lock&gt;&lt;/BranchingProperties&gt;&#10;"/>
 </p:tagLst>
 </file>
 
@@ -4422,8 +4840,14 @@
   <p:tag name="ISPRING_CUSTOM_TIMING_USED" val="1"/>
   <p:tag name="ISPRING_SLIDE_ID_2" val="{42707736-AD57-4B34-8145-5B9D71B23F3E}"/>
   <p:tag name="GENSWF_ADVANCE_TIME" val="0.000"/>
+  <p:tag name="GENSWF_SLIDE_UID" val="{8E2D5E3C-2CFE-4532-86B5-DBE9C8099C72}:359"/>
   <p:tag name="ISPRING_SLIDE_BRANCHING_PROPERTIES" val="&lt;BranchingProperties&gt;&lt;nextAction&gt;&lt;action&gt;2&lt;/action&gt;&lt;slide&gt;349&lt;/slide&gt;&lt;/nextAction&gt;&lt;prevAction&gt;&lt;action&gt;0&lt;/action&gt;&lt;/prevAction&gt;&lt;lock&gt;1&lt;/lock&gt;&lt;/BranchingProperties&gt;&#10;"/>
-  <p:tag name="GENSWF_SLIDE_UID" val="{8E2D5E3C-2CFE-4532-86B5-DBE9C8099C72}:359"/>
+</p:tagLst>
+</file>
+
+<file path=ppt/tags/tag20.xml><?xml version="1.0" encoding="utf-8"?>
+<p:tagLst xmlns:a="http://schemas.openxmlformats.org/drawingml/2006/main" xmlns:r="http://schemas.openxmlformats.org/officeDocument/2006/relationships" xmlns:p="http://schemas.openxmlformats.org/presentationml/2006/main">
+  <p:tag name="ISPRING_CONTENTLIB_ASSET_META" val="{&quot;ai&quot;:&quot;7DfcD4O002at1CllW0BJIA&quot;,&quot;gi&quot;:&quot;eSRp0--Px1rsJRDo6xsVUA&quot;,&quot;ti&quot;:&quot;characters&quot;,&quot;vs&quot;:{&quot;f&quot;:[3289,708],&quot;i&quot;:{&quot;d&quot;:&quot;7DfcD4O002at1CllW0BJIA&quot;,&quot;p&quot;:true}},&quot;at&quot;:&quot;DEFAULT&quot;}"/>
 </p:tagLst>
 </file>
 
@@ -4441,8 +4865,8 @@
   <p:tag name="ISPRING_PLAYER_LAYOUT_TYPE" val="Full"/>
   <p:tag name="ISPRING_SLIDE_ID_2" val="{63B4AA51-2E8C-4BA8-B5A8-C7E7941CC9B4}"/>
   <p:tag name="GENSWF_ADVANCE_TIME" val="0.000"/>
+  <p:tag name="GENSWF_SLIDE_UID" val="{1172184C-792E-4C19-9C67-B780F503A714}:358"/>
   <p:tag name="ISPRING_SLIDE_BRANCHING_PROPERTIES" val="&lt;BranchingProperties&gt;&lt;nextAction&gt;&lt;action&gt;2&lt;/action&gt;&lt;slide&gt;347&lt;/slide&gt;&lt;/nextAction&gt;&lt;prevAction&gt;&lt;action&gt;0&lt;/action&gt;&lt;/prevAction&gt;&lt;lock&gt;0&lt;/lock&gt;&lt;/BranchingProperties&gt;&#10;"/>
-  <p:tag name="GENSWF_SLIDE_UID" val="{1172184C-792E-4C19-9C67-B780F503A714}:358"/>
 </p:tagLst>
 </file>
 
@@ -4460,8 +4884,8 @@
   <p:tag name="ISPRING_PLAYER_LAYOUT_TYPE" val="Full"/>
   <p:tag name="ISPRING_SLIDE_ID_2" val="{63B4AA51-2E8C-4BA8-B5A8-C7E7941CC9B4}"/>
   <p:tag name="GENSWF_ADVANCE_TIME" val="0.000"/>
+  <p:tag name="GENSWF_SLIDE_UID" val="{B15A15DF-C84F-43B8-A9DA-A24A1445ED0F}:360"/>
   <p:tag name="ISPRING_SLIDE_BRANCHING_PROPERTIES" val="&lt;BranchingProperties&gt;&lt;nextAction&gt;&lt;action&gt;2&lt;/action&gt;&lt;slide&gt;347&lt;/slide&gt;&lt;/nextAction&gt;&lt;prevAction&gt;&lt;action&gt;0&lt;/action&gt;&lt;/prevAction&gt;&lt;lock&gt;0&lt;/lock&gt;&lt;/BranchingProperties&gt;&#10;"/>
-  <p:tag name="GENSWF_SLIDE_UID" val="{B15A15DF-C84F-43B8-A9DA-A24A1445ED0F}:360"/>
 </p:tagLst>
 </file>
 
@@ -4479,8 +4903,8 @@
   <p:tag name="ISPRING_PLAYER_LAYOUT_TYPE" val="Full"/>
   <p:tag name="ISPRING_SLIDE_ID_2" val="{63B4AA51-2E8C-4BA8-B5A8-C7E7941CC9B4}"/>
   <p:tag name="GENSWF_ADVANCE_TIME" val="0.000"/>
+  <p:tag name="GENSWF_SLIDE_UID" val="{B9094E2A-D3B7-4B72-98A1-716F7F5DDFC9}:361"/>
   <p:tag name="ISPRING_SLIDE_BRANCHING_PROPERTIES" val="&lt;BranchingProperties&gt;&lt;nextAction&gt;&lt;action&gt;2&lt;/action&gt;&lt;slide&gt;347&lt;/slide&gt;&lt;/nextAction&gt;&lt;prevAction&gt;&lt;action&gt;0&lt;/action&gt;&lt;/prevAction&gt;&lt;lock&gt;0&lt;/lock&gt;&lt;/BranchingProperties&gt;&#10;"/>
-  <p:tag name="GENSWF_SLIDE_UID" val="{B9094E2A-D3B7-4B72-98A1-716F7F5DDFC9}:361"/>
 </p:tagLst>
 </file>
 
